--- a/week11_python6/week11_python6.pptx
+++ b/week11_python6/week11_python6.pptx
@@ -20,7 +20,7 @@
     <p:sldId id="363" r:id="rId11"/>
     <p:sldId id="354" r:id="rId12"/>
     <p:sldId id="334" r:id="rId13"/>
-    <p:sldId id="351" r:id="rId14"/>
+    <p:sldId id="365" r:id="rId14"/>
   </p:sldIdLst>
   <p:sldSz cx="12192000" cy="6858000"/>
   <p:notesSz cx="6858000" cy="9144000"/>
@@ -209,7 +209,7 @@
           <a:p>
             <a:fld id="{31739141-2DAA-2346-BEF0-0594A5BB306A}" type="datetimeFigureOut">
               <a:rPr lang="en-US" smtClean="0"/>
-              <a:t>10/20/20</a:t>
+              <a:t>10/30/21</a:t>
             </a:fld>
             <a:endParaRPr lang="en-US"/>
           </a:p>
@@ -791,7 +791,7 @@
           <a:p>
             <a:fld id="{69F9884C-D6B0-574D-ABEB-4B3275C742BC}" type="datetimeFigureOut">
               <a:rPr lang="en-US" smtClean="0"/>
-              <a:t>10/20/20</a:t>
+              <a:t>10/30/21</a:t>
             </a:fld>
             <a:endParaRPr lang="en-US"/>
           </a:p>
@@ -989,7 +989,7 @@
           <a:p>
             <a:fld id="{69F9884C-D6B0-574D-ABEB-4B3275C742BC}" type="datetimeFigureOut">
               <a:rPr lang="en-US" smtClean="0"/>
-              <a:t>10/20/20</a:t>
+              <a:t>10/30/21</a:t>
             </a:fld>
             <a:endParaRPr lang="en-US"/>
           </a:p>
@@ -1197,7 +1197,7 @@
           <a:p>
             <a:fld id="{69F9884C-D6B0-574D-ABEB-4B3275C742BC}" type="datetimeFigureOut">
               <a:rPr lang="en-US" smtClean="0"/>
-              <a:t>10/20/20</a:t>
+              <a:t>10/30/21</a:t>
             </a:fld>
             <a:endParaRPr lang="en-US"/>
           </a:p>
@@ -1395,7 +1395,7 @@
           <a:p>
             <a:fld id="{69F9884C-D6B0-574D-ABEB-4B3275C742BC}" type="datetimeFigureOut">
               <a:rPr lang="en-US" smtClean="0"/>
-              <a:t>10/20/20</a:t>
+              <a:t>10/30/21</a:t>
             </a:fld>
             <a:endParaRPr lang="en-US"/>
           </a:p>
@@ -1670,7 +1670,7 @@
           <a:p>
             <a:fld id="{69F9884C-D6B0-574D-ABEB-4B3275C742BC}" type="datetimeFigureOut">
               <a:rPr lang="en-US" smtClean="0"/>
-              <a:t>10/20/20</a:t>
+              <a:t>10/30/21</a:t>
             </a:fld>
             <a:endParaRPr lang="en-US"/>
           </a:p>
@@ -1935,7 +1935,7 @@
           <a:p>
             <a:fld id="{69F9884C-D6B0-574D-ABEB-4B3275C742BC}" type="datetimeFigureOut">
               <a:rPr lang="en-US" smtClean="0"/>
-              <a:t>10/20/20</a:t>
+              <a:t>10/30/21</a:t>
             </a:fld>
             <a:endParaRPr lang="en-US"/>
           </a:p>
@@ -2347,7 +2347,7 @@
           <a:p>
             <a:fld id="{69F9884C-D6B0-574D-ABEB-4B3275C742BC}" type="datetimeFigureOut">
               <a:rPr lang="en-US" smtClean="0"/>
-              <a:t>10/20/20</a:t>
+              <a:t>10/30/21</a:t>
             </a:fld>
             <a:endParaRPr lang="en-US"/>
           </a:p>
@@ -2488,7 +2488,7 @@
           <a:p>
             <a:fld id="{69F9884C-D6B0-574D-ABEB-4B3275C742BC}" type="datetimeFigureOut">
               <a:rPr lang="en-US" smtClean="0"/>
-              <a:t>10/20/20</a:t>
+              <a:t>10/30/21</a:t>
             </a:fld>
             <a:endParaRPr lang="en-US"/>
           </a:p>
@@ -2601,7 +2601,7 @@
           <a:p>
             <a:fld id="{69F9884C-D6B0-574D-ABEB-4B3275C742BC}" type="datetimeFigureOut">
               <a:rPr lang="en-US" smtClean="0"/>
-              <a:t>10/20/20</a:t>
+              <a:t>10/30/21</a:t>
             </a:fld>
             <a:endParaRPr lang="en-US"/>
           </a:p>
@@ -2912,7 +2912,7 @@
           <a:p>
             <a:fld id="{69F9884C-D6B0-574D-ABEB-4B3275C742BC}" type="datetimeFigureOut">
               <a:rPr lang="en-US" smtClean="0"/>
-              <a:t>10/20/20</a:t>
+              <a:t>10/30/21</a:t>
             </a:fld>
             <a:endParaRPr lang="en-US"/>
           </a:p>
@@ -3200,7 +3200,7 @@
           <a:p>
             <a:fld id="{69F9884C-D6B0-574D-ABEB-4B3275C742BC}" type="datetimeFigureOut">
               <a:rPr lang="en-US" smtClean="0"/>
-              <a:t>10/20/20</a:t>
+              <a:t>10/30/21</a:t>
             </a:fld>
             <a:endParaRPr lang="en-US"/>
           </a:p>
@@ -3441,7 +3441,7 @@
           <a:p>
             <a:fld id="{69F9884C-D6B0-574D-ABEB-4B3275C742BC}" type="datetimeFigureOut">
               <a:rPr lang="en-US" smtClean="0"/>
-              <a:t>10/20/20</a:t>
+              <a:t>10/30/21</a:t>
             </a:fld>
             <a:endParaRPr lang="en-US"/>
           </a:p>
@@ -5433,8 +5433,8 @@
         </p:nvSpPr>
         <p:spPr>
           <a:xfrm>
-            <a:off x="3629145" y="177493"/>
-            <a:ext cx="4363695" cy="523220"/>
+            <a:off x="3363521" y="289503"/>
+            <a:ext cx="5464958" cy="584775"/>
           </a:xfrm>
           <a:prstGeom prst="rect">
             <a:avLst/>
@@ -5448,10 +5448,10 @@
           <a:lstStyle/>
           <a:p>
             <a:r>
-              <a:rPr lang="en-US" sz="2800" b="1" dirty="0">
+              <a:rPr lang="en-US" sz="3200" dirty="0">
                 <a:latin typeface="Helvetica Light" panose="020B0403020202020204" pitchFamily="34" charset="0"/>
               </a:rPr>
-              <a:t>Semester through the end</a:t>
+              <a:t>Semester through November</a:t>
             </a:r>
           </a:p>
         </p:txBody>
@@ -5470,8 +5470,8 @@
         </p:nvSpPr>
         <p:spPr>
           <a:xfrm>
-            <a:off x="457200" y="986641"/>
-            <a:ext cx="11553091" cy="5293757"/>
+            <a:off x="451693" y="1444017"/>
+            <a:ext cx="11740307" cy="4832092"/>
           </a:xfrm>
           <a:prstGeom prst="rect">
             <a:avLst/>
@@ -5485,177 +5485,152 @@
           <a:lstStyle/>
           <a:p>
             <a:r>
+              <a:rPr lang="en-US" sz="2800" dirty="0">
+                <a:latin typeface="Helvetica Light" panose="020B0403020202020204" pitchFamily="34" charset="0"/>
+              </a:rPr>
+              <a:t>Week of </a:t>
+            </a:r>
+            <a:r>
+              <a:rPr lang="en-US" sz="2800" b="1" dirty="0">
+                <a:latin typeface="Helvetica Light" panose="020B0403020202020204" pitchFamily="34" charset="0"/>
+              </a:rPr>
+              <a:t>10/27, 10/29</a:t>
+            </a:r>
+            <a:r>
+              <a:rPr lang="en-US" sz="2800" dirty="0">
+                <a:latin typeface="Helvetica Light" panose="020B0403020202020204" pitchFamily="34" charset="0"/>
+              </a:rPr>
+              <a:t>:		Reading many files at one, data 							management problem</a:t>
+            </a:r>
+          </a:p>
+          <a:p>
+            <a:endParaRPr lang="en-US" sz="2800" dirty="0">
+              <a:latin typeface="Helvetica Light" panose="020B0403020202020204" pitchFamily="34" charset="0"/>
+            </a:endParaRPr>
+          </a:p>
+          <a:p>
+            <a:r>
+              <a:rPr lang="en-US" sz="2800" dirty="0">
+                <a:latin typeface="Helvetica Light" panose="020B0403020202020204" pitchFamily="34" charset="0"/>
+              </a:rPr>
+              <a:t>Week of </a:t>
+            </a:r>
+            <a:r>
+              <a:rPr lang="en-US" sz="2800" b="1" dirty="0">
+                <a:latin typeface="Helvetica Light" panose="020B0403020202020204" pitchFamily="34" charset="0"/>
+              </a:rPr>
+              <a:t>11/2, 11/4</a:t>
+            </a:r>
+            <a:r>
+              <a:rPr lang="en-US" sz="2800" dirty="0">
+                <a:latin typeface="Helvetica Light" panose="020B0403020202020204" pitchFamily="34" charset="0"/>
+              </a:rPr>
+              <a:t>		</a:t>
+            </a:r>
+            <a:r>
+              <a:rPr lang="en-US" sz="2800" b="1" dirty="0">
+                <a:latin typeface="Helvetica Light" panose="020B0403020202020204" pitchFamily="34" charset="0"/>
+              </a:rPr>
+              <a:t>Dictionaries</a:t>
+            </a:r>
+          </a:p>
+          <a:p>
+            <a:endParaRPr lang="en-US" sz="2800" dirty="0">
+              <a:latin typeface="Helvetica Light" panose="020B0403020202020204" pitchFamily="34" charset="0"/>
+            </a:endParaRPr>
+          </a:p>
+          <a:p>
+            <a:r>
+              <a:rPr lang="en-US" sz="2800" dirty="0">
+                <a:latin typeface="Helvetica Light" panose="020B0403020202020204" pitchFamily="34" charset="0"/>
+              </a:rPr>
+              <a:t>Week of </a:t>
+            </a:r>
+            <a:r>
+              <a:rPr lang="en-US" sz="2800" b="1" dirty="0">
+                <a:latin typeface="Helvetica Light" panose="020B0403020202020204" pitchFamily="34" charset="0"/>
+              </a:rPr>
+              <a:t>11/9, 11/11		</a:t>
+            </a:r>
+            <a:r>
+              <a:rPr lang="en-US" sz="2600" b="1" dirty="0" err="1">
+                <a:latin typeface="Helvetica Light" panose="020B0403020202020204" pitchFamily="34" charset="0"/>
+              </a:rPr>
+              <a:t>Numpy</a:t>
+            </a:r>
+            <a:r>
+              <a:rPr lang="en-US" sz="2600" b="1" dirty="0">
+                <a:latin typeface="Helvetica Light" panose="020B0403020202020204" pitchFamily="34" charset="0"/>
+              </a:rPr>
+              <a:t> </a:t>
+            </a:r>
+            <a:r>
               <a:rPr lang="en-US" sz="2600" dirty="0">
                 <a:latin typeface="Helvetica Light" panose="020B0403020202020204" pitchFamily="34" charset="0"/>
               </a:rPr>
-              <a:t>Week of </a:t>
+              <a:t>and</a:t>
             </a:r>
             <a:r>
               <a:rPr lang="en-US" sz="2600" b="1" dirty="0">
                 <a:latin typeface="Helvetica Light" panose="020B0403020202020204" pitchFamily="34" charset="0"/>
               </a:rPr>
-              <a:t>11/3, 11/5</a:t>
+              <a:t> Pandas: </a:t>
             </a:r>
             <a:r>
               <a:rPr lang="en-US" sz="2600" dirty="0">
                 <a:latin typeface="Helvetica Light" panose="020B0403020202020204" pitchFamily="34" charset="0"/>
               </a:rPr>
-              <a:t>		</a:t>
-            </a:r>
-            <a:r>
-              <a:rPr lang="en-US" sz="2600" b="1" dirty="0">
-                <a:latin typeface="Helvetica Light" panose="020B0403020202020204" pitchFamily="34" charset="0"/>
-              </a:rPr>
-              <a:t>11/3</a:t>
-            </a:r>
-            <a:r>
-              <a:rPr lang="en-US" sz="2600" dirty="0">
-                <a:latin typeface="Helvetica Light" panose="020B0403020202020204" pitchFamily="34" charset="0"/>
-              </a:rPr>
-              <a:t> free, flexible day. Open lab during class. 					</a:t>
-            </a:r>
-            <a:r>
-              <a:rPr lang="en-US" sz="2600" b="1" dirty="0">
-                <a:latin typeface="Helvetica Light" panose="020B0403020202020204" pitchFamily="34" charset="0"/>
-              </a:rPr>
-              <a:t>11/5</a:t>
-            </a:r>
-            <a:r>
-              <a:rPr lang="en-US" sz="2600" dirty="0">
-                <a:latin typeface="Helvetica Light" panose="020B0403020202020204" pitchFamily="34" charset="0"/>
-              </a:rPr>
-              <a:t> dictionaries</a:t>
-            </a:r>
-          </a:p>
-          <a:p>
-            <a:endParaRPr lang="en-US" sz="2600" dirty="0">
+              <a:t>Data Science modules</a:t>
+            </a:r>
+          </a:p>
+          <a:p>
+            <a:endParaRPr lang="en-US" sz="2800" b="1" dirty="0">
               <a:latin typeface="Helvetica Light" panose="020B0403020202020204" pitchFamily="34" charset="0"/>
             </a:endParaRPr>
           </a:p>
           <a:p>
             <a:r>
-              <a:rPr lang="en-US" sz="2600" dirty="0">
+              <a:rPr lang="en-US" sz="2800" dirty="0">
                 <a:latin typeface="Helvetica Light" panose="020B0403020202020204" pitchFamily="34" charset="0"/>
               </a:rPr>
               <a:t>Week of </a:t>
             </a:r>
             <a:r>
-              <a:rPr lang="en-US" sz="2600" b="1" dirty="0">
+              <a:rPr lang="en-US" sz="2800" b="1" dirty="0">
                 <a:latin typeface="Helvetica Light" panose="020B0403020202020204" pitchFamily="34" charset="0"/>
               </a:rPr>
-              <a:t>11/10, 11/12		11/10 </a:t>
-            </a:r>
-            <a:r>
-              <a:rPr lang="en-US" sz="2600" dirty="0">
+              <a:t>11/16, 11/18		</a:t>
+            </a:r>
+            <a:r>
+              <a:rPr lang="en-US" sz="2800" dirty="0">
                 <a:latin typeface="Helvetica Light" panose="020B0403020202020204" pitchFamily="34" charset="0"/>
               </a:rPr>
-              <a:t>work on script from </a:t>
-            </a:r>
-            <a:r>
-              <a:rPr lang="en-US" sz="2600" b="1" dirty="0">
+              <a:t>more</a:t>
+            </a:r>
+            <a:r>
+              <a:rPr lang="en-US" sz="2800" b="1" dirty="0">
                 <a:latin typeface="Helvetica Light" panose="020B0403020202020204" pitchFamily="34" charset="0"/>
               </a:rPr>
-              <a:t>11/5</a:t>
-            </a:r>
-            <a:r>
-              <a:rPr lang="en-US" sz="2600" dirty="0">
+              <a:t> Pandas, </a:t>
+            </a:r>
+            <a:r>
+              <a:rPr lang="en-US" sz="2800" dirty="0">
                 <a:latin typeface="Helvetica Light" panose="020B0403020202020204" pitchFamily="34" charset="0"/>
               </a:rPr>
-              <a:t>, </a:t>
-            </a:r>
-            <a:r>
-              <a:rPr lang="en-US" sz="2600" b="1" dirty="0">
-                <a:latin typeface="Helvetica Light" panose="020B0403020202020204" pitchFamily="34" charset="0"/>
-              </a:rPr>
-              <a:t>11/12</a:t>
-            </a:r>
-            <a:r>
-              <a:rPr lang="en-US" sz="2600" dirty="0">
-                <a:latin typeface="Helvetica Light" panose="020B0403020202020204" pitchFamily="34" charset="0"/>
-              </a:rPr>
-              <a:t> 						introduce GBS module</a:t>
-            </a:r>
-          </a:p>
-          <a:p>
-            <a:endParaRPr lang="en-US" sz="2600" b="1" dirty="0">
+              <a:t>visiting talk from data 						scientist at Lucid Motors</a:t>
+            </a:r>
+          </a:p>
+          <a:p>
+            <a:endParaRPr lang="en-US" sz="2800" b="1" dirty="0">
               <a:latin typeface="Helvetica Light" panose="020B0403020202020204" pitchFamily="34" charset="0"/>
             </a:endParaRPr>
           </a:p>
           <a:p>
             <a:r>
-              <a:rPr lang="en-US" sz="2600" dirty="0">
+              <a:rPr lang="en-US" sz="2800" b="1" dirty="0">
                 <a:latin typeface="Helvetica Light" panose="020B0403020202020204" pitchFamily="34" charset="0"/>
               </a:rPr>
-              <a:t>Week of </a:t>
-            </a:r>
-            <a:r>
-              <a:rPr lang="en-US" sz="2600" b="1" dirty="0">
-                <a:latin typeface="Helvetica Light" panose="020B0403020202020204" pitchFamily="34" charset="0"/>
-              </a:rPr>
-              <a:t>11/17, 11/19		GBS module/Library </a:t>
-            </a:r>
-          </a:p>
-          <a:p>
-            <a:endParaRPr lang="en-US" sz="2600" b="1" dirty="0">
-              <a:latin typeface="Helvetica Light" panose="020B0403020202020204" pitchFamily="34" charset="0"/>
-            </a:endParaRPr>
-          </a:p>
-          <a:p>
-            <a:r>
-              <a:rPr lang="en-US" sz="2600" dirty="0">
-                <a:latin typeface="Helvetica Light" panose="020B0403020202020204" pitchFamily="34" charset="0"/>
-              </a:rPr>
-              <a:t>Week of </a:t>
-            </a:r>
-            <a:r>
-              <a:rPr lang="en-US" sz="2600" b="1" dirty="0">
-                <a:latin typeface="Helvetica Light" panose="020B0403020202020204" pitchFamily="34" charset="0"/>
-              </a:rPr>
-              <a:t>11/23			</a:t>
-            </a:r>
-            <a:r>
-              <a:rPr lang="en-US" sz="2600" dirty="0">
-                <a:latin typeface="Helvetica Light" panose="020B0403020202020204" pitchFamily="34" charset="0"/>
-              </a:rPr>
-              <a:t>11/23 free day, work on projects</a:t>
-            </a:r>
-          </a:p>
-          <a:p>
-            <a:endParaRPr lang="en-US" sz="2600" dirty="0">
-              <a:latin typeface="Helvetica Light" panose="020B0403020202020204" pitchFamily="34" charset="0"/>
-            </a:endParaRPr>
-          </a:p>
-          <a:p>
-            <a:r>
-              <a:rPr lang="en-US" sz="2600" dirty="0">
-                <a:latin typeface="Helvetica Light" panose="020B0403020202020204" pitchFamily="34" charset="0"/>
-              </a:rPr>
-              <a:t>Week of </a:t>
-            </a:r>
-            <a:r>
-              <a:rPr lang="en-US" sz="2600" b="1" dirty="0">
-                <a:latin typeface="Helvetica Light" panose="020B0403020202020204" pitchFamily="34" charset="0"/>
-              </a:rPr>
-              <a:t>12/1, 12/3		12/1 </a:t>
-            </a:r>
-            <a:r>
-              <a:rPr lang="en-US" sz="2600" dirty="0">
-                <a:latin typeface="Helvetica Light" panose="020B0403020202020204" pitchFamily="34" charset="0"/>
-              </a:rPr>
-              <a:t>work on projects, 12/3 presentations</a:t>
-            </a:r>
-          </a:p>
-          <a:p>
-            <a:endParaRPr lang="en-US" sz="2600" b="1" dirty="0">
-              <a:latin typeface="Helvetica Light" panose="020B0403020202020204" pitchFamily="34" charset="0"/>
-            </a:endParaRPr>
-          </a:p>
-          <a:p>
-            <a:r>
-              <a:rPr lang="en-US" sz="2600" b="1" dirty="0">
-                <a:latin typeface="Helvetica Light" panose="020B0403020202020204" pitchFamily="34" charset="0"/>
-              </a:rPr>
-              <a:t>12/8 final day			project presentations</a:t>
+              <a:t>Week of 11/23			open day, independent project work.</a:t>
             </a:r>
           </a:p>
         </p:txBody>
@@ -5663,7 +5638,7 @@
     </p:spTree>
     <p:extLst>
       <p:ext uri="{BB962C8B-B14F-4D97-AF65-F5344CB8AC3E}">
-        <p14:creationId xmlns:p14="http://schemas.microsoft.com/office/powerpoint/2010/main" val="3060991257"/>
+        <p14:creationId xmlns:p14="http://schemas.microsoft.com/office/powerpoint/2010/main" val="2772433614"/>
       </p:ext>
     </p:extLst>
   </p:cSld>
